--- a/ppt 16-9/1048.永永远远赞美.pptx
+++ b/ppt 16-9/1048.永永远远赞美.pptx
@@ -5,7 +5,7 @@
     <p:sldMasterId id="2147483648" r:id="rId1"/>
   </p:sldMasterIdLst>
   <p:sldIdLst>
-    <p:sldId id="484" r:id="rId2"/>
+    <p:sldId id="486" r:id="rId2"/>
   </p:sldIdLst>
   <p:sldSz cx="12192000" cy="6858000"/>
   <p:notesSz cx="6858000" cy="9144000"/>
@@ -129,7 +129,7 @@
           <p:cNvPr id="2" name="标题 1">
             <a:extLst>
               <a:ext uri="{FF2B5EF4-FFF2-40B4-BE49-F238E27FC236}">
-                <a16:creationId xmlns:a16="http://schemas.microsoft.com/office/drawing/2014/main" id="{09016EAE-6AEF-C3BD-EA4A-97B0DAAF2E1D}"/>
+                <a16:creationId xmlns:a16="http://schemas.microsoft.com/office/drawing/2014/main" id="{8E2894D8-53E9-832A-86E7-2ABCF0D235EB}"/>
               </a:ext>
             </a:extLst>
           </p:cNvPr>
@@ -166,7 +166,7 @@
           <p:cNvPr id="3" name="副标题 2">
             <a:extLst>
               <a:ext uri="{FF2B5EF4-FFF2-40B4-BE49-F238E27FC236}">
-                <a16:creationId xmlns:a16="http://schemas.microsoft.com/office/drawing/2014/main" id="{2237D378-8FDF-C0FE-571A-07E9895D90CF}"/>
+                <a16:creationId xmlns:a16="http://schemas.microsoft.com/office/drawing/2014/main" id="{E6F896A6-96C8-1A87-16BD-2B5810DF5935}"/>
               </a:ext>
             </a:extLst>
           </p:cNvPr>
@@ -236,7 +236,7 @@
           <p:cNvPr id="4" name="日期占位符 3">
             <a:extLst>
               <a:ext uri="{FF2B5EF4-FFF2-40B4-BE49-F238E27FC236}">
-                <a16:creationId xmlns:a16="http://schemas.microsoft.com/office/drawing/2014/main" id="{4B5EE65B-8577-B7EC-253F-FDEA2950E22E}"/>
+                <a16:creationId xmlns:a16="http://schemas.microsoft.com/office/drawing/2014/main" id="{A83BC41F-3161-4739-7B4C-2009AC944BD3}"/>
               </a:ext>
             </a:extLst>
           </p:cNvPr>
@@ -252,7 +252,7 @@
           <a:bodyPr/>
           <a:lstStyle/>
           <a:p>
-            <a:fld id="{AF34AED6-7189-42D0-A324-F86692F97FD4}" type="datetimeFigureOut">
+            <a:fld id="{BD40E56E-8674-4EFD-B800-CFBAD02ECFB1}" type="datetimeFigureOut">
               <a:rPr lang="zh-CN" altLang="en-US" smtClean="0"/>
               <a:t>2024/3/10</a:t>
             </a:fld>
@@ -265,7 +265,7 @@
           <p:cNvPr id="5" name="页脚占位符 4">
             <a:extLst>
               <a:ext uri="{FF2B5EF4-FFF2-40B4-BE49-F238E27FC236}">
-                <a16:creationId xmlns:a16="http://schemas.microsoft.com/office/drawing/2014/main" id="{A377141B-8DF3-B131-BE13-0D5054D2E58C}"/>
+                <a16:creationId xmlns:a16="http://schemas.microsoft.com/office/drawing/2014/main" id="{95D870B2-7DEB-935A-8EBF-F8240A649DA9}"/>
               </a:ext>
             </a:extLst>
           </p:cNvPr>
@@ -290,7 +290,7 @@
           <p:cNvPr id="6" name="灯片编号占位符 5">
             <a:extLst>
               <a:ext uri="{FF2B5EF4-FFF2-40B4-BE49-F238E27FC236}">
-                <a16:creationId xmlns:a16="http://schemas.microsoft.com/office/drawing/2014/main" id="{C6E946A4-2FCC-1599-E02D-67DC78E223D2}"/>
+                <a16:creationId xmlns:a16="http://schemas.microsoft.com/office/drawing/2014/main" id="{5AEEB11C-B077-042C-6922-6C0D68066FE4}"/>
               </a:ext>
             </a:extLst>
           </p:cNvPr>
@@ -306,7 +306,7 @@
           <a:bodyPr/>
           <a:lstStyle/>
           <a:p>
-            <a:fld id="{3BCC51C4-FA2C-4009-A343-2CE370B11E4E}" type="slidenum">
+            <a:fld id="{092B4744-9D74-4450-A6FC-0B6ABD676DB8}" type="slidenum">
               <a:rPr lang="zh-CN" altLang="en-US" smtClean="0"/>
               <a:t>‹#›</a:t>
             </a:fld>
@@ -317,7 +317,7 @@
     </p:spTree>
     <p:extLst>
       <p:ext uri="{BB962C8B-B14F-4D97-AF65-F5344CB8AC3E}">
-        <p14:creationId xmlns:p14="http://schemas.microsoft.com/office/powerpoint/2010/main" val="3066758121"/>
+        <p14:creationId xmlns:p14="http://schemas.microsoft.com/office/powerpoint/2010/main" val="3863891723"/>
       </p:ext>
     </p:extLst>
   </p:cSld>
@@ -349,7 +349,7 @@
           <p:cNvPr id="2" name="标题 1">
             <a:extLst>
               <a:ext uri="{FF2B5EF4-FFF2-40B4-BE49-F238E27FC236}">
-                <a16:creationId xmlns:a16="http://schemas.microsoft.com/office/drawing/2014/main" id="{24DC513D-D3C4-C4A2-6648-7FB2B93ADF6D}"/>
+                <a16:creationId xmlns:a16="http://schemas.microsoft.com/office/drawing/2014/main" id="{167DBC9A-D98A-B806-6957-81F3361301EA}"/>
               </a:ext>
             </a:extLst>
           </p:cNvPr>
@@ -377,7 +377,7 @@
           <p:cNvPr id="3" name="竖排文字占位符 2">
             <a:extLst>
               <a:ext uri="{FF2B5EF4-FFF2-40B4-BE49-F238E27FC236}">
-                <a16:creationId xmlns:a16="http://schemas.microsoft.com/office/drawing/2014/main" id="{D05DA339-9AC8-926E-6F4C-30D77A21EB74}"/>
+                <a16:creationId xmlns:a16="http://schemas.microsoft.com/office/drawing/2014/main" id="{90F1194D-2EB3-ABDA-8724-AE22A3D982A9}"/>
               </a:ext>
             </a:extLst>
           </p:cNvPr>
@@ -434,7 +434,7 @@
           <p:cNvPr id="4" name="日期占位符 3">
             <a:extLst>
               <a:ext uri="{FF2B5EF4-FFF2-40B4-BE49-F238E27FC236}">
-                <a16:creationId xmlns:a16="http://schemas.microsoft.com/office/drawing/2014/main" id="{DA5DAF89-C94A-FB56-4E60-6C33C22595D8}"/>
+                <a16:creationId xmlns:a16="http://schemas.microsoft.com/office/drawing/2014/main" id="{0C65C84A-E21F-65CD-0628-AC9AB1EA1A0C}"/>
               </a:ext>
             </a:extLst>
           </p:cNvPr>
@@ -450,7 +450,7 @@
           <a:bodyPr/>
           <a:lstStyle/>
           <a:p>
-            <a:fld id="{AF34AED6-7189-42D0-A324-F86692F97FD4}" type="datetimeFigureOut">
+            <a:fld id="{BD40E56E-8674-4EFD-B800-CFBAD02ECFB1}" type="datetimeFigureOut">
               <a:rPr lang="zh-CN" altLang="en-US" smtClean="0"/>
               <a:t>2024/3/10</a:t>
             </a:fld>
@@ -463,7 +463,7 @@
           <p:cNvPr id="5" name="页脚占位符 4">
             <a:extLst>
               <a:ext uri="{FF2B5EF4-FFF2-40B4-BE49-F238E27FC236}">
-                <a16:creationId xmlns:a16="http://schemas.microsoft.com/office/drawing/2014/main" id="{B786048E-C57E-B67E-AC38-659EDB1D00E2}"/>
+                <a16:creationId xmlns:a16="http://schemas.microsoft.com/office/drawing/2014/main" id="{8F687086-044B-ED01-852A-2AE4C422EC79}"/>
               </a:ext>
             </a:extLst>
           </p:cNvPr>
@@ -488,7 +488,7 @@
           <p:cNvPr id="6" name="灯片编号占位符 5">
             <a:extLst>
               <a:ext uri="{FF2B5EF4-FFF2-40B4-BE49-F238E27FC236}">
-                <a16:creationId xmlns:a16="http://schemas.microsoft.com/office/drawing/2014/main" id="{28C8C1E8-D9FA-F7AD-904D-B567DE64F11A}"/>
+                <a16:creationId xmlns:a16="http://schemas.microsoft.com/office/drawing/2014/main" id="{296FC9A4-BACC-43BC-C25B-2213433EF36F}"/>
               </a:ext>
             </a:extLst>
           </p:cNvPr>
@@ -504,7 +504,7 @@
           <a:bodyPr/>
           <a:lstStyle/>
           <a:p>
-            <a:fld id="{3BCC51C4-FA2C-4009-A343-2CE370B11E4E}" type="slidenum">
+            <a:fld id="{092B4744-9D74-4450-A6FC-0B6ABD676DB8}" type="slidenum">
               <a:rPr lang="zh-CN" altLang="en-US" smtClean="0"/>
               <a:t>‹#›</a:t>
             </a:fld>
@@ -515,7 +515,7 @@
     </p:spTree>
     <p:extLst>
       <p:ext uri="{BB962C8B-B14F-4D97-AF65-F5344CB8AC3E}">
-        <p14:creationId xmlns:p14="http://schemas.microsoft.com/office/powerpoint/2010/main" val="781569471"/>
+        <p14:creationId xmlns:p14="http://schemas.microsoft.com/office/powerpoint/2010/main" val="3084544235"/>
       </p:ext>
     </p:extLst>
   </p:cSld>
@@ -547,7 +547,7 @@
           <p:cNvPr id="2" name="竖排标题 1">
             <a:extLst>
               <a:ext uri="{FF2B5EF4-FFF2-40B4-BE49-F238E27FC236}">
-                <a16:creationId xmlns:a16="http://schemas.microsoft.com/office/drawing/2014/main" id="{39A996C9-E920-7EC5-45EF-E7594BB09165}"/>
+                <a16:creationId xmlns:a16="http://schemas.microsoft.com/office/drawing/2014/main" id="{891B992E-3A95-DA07-8C8E-A5E30A86C210}"/>
               </a:ext>
             </a:extLst>
           </p:cNvPr>
@@ -580,7 +580,7 @@
           <p:cNvPr id="3" name="竖排文字占位符 2">
             <a:extLst>
               <a:ext uri="{FF2B5EF4-FFF2-40B4-BE49-F238E27FC236}">
-                <a16:creationId xmlns:a16="http://schemas.microsoft.com/office/drawing/2014/main" id="{A8B11440-966C-E3A1-1851-1D8F371A1EF1}"/>
+                <a16:creationId xmlns:a16="http://schemas.microsoft.com/office/drawing/2014/main" id="{804DC8AB-7DFC-1FFE-A180-2409FDFA6929}"/>
               </a:ext>
             </a:extLst>
           </p:cNvPr>
@@ -642,7 +642,7 @@
           <p:cNvPr id="4" name="日期占位符 3">
             <a:extLst>
               <a:ext uri="{FF2B5EF4-FFF2-40B4-BE49-F238E27FC236}">
-                <a16:creationId xmlns:a16="http://schemas.microsoft.com/office/drawing/2014/main" id="{30EC49F9-2AF3-3F0E-C578-2836371C838D}"/>
+                <a16:creationId xmlns:a16="http://schemas.microsoft.com/office/drawing/2014/main" id="{A4481295-9BBB-63E9-1D0A-453A84906EA9}"/>
               </a:ext>
             </a:extLst>
           </p:cNvPr>
@@ -658,7 +658,7 @@
           <a:bodyPr/>
           <a:lstStyle/>
           <a:p>
-            <a:fld id="{AF34AED6-7189-42D0-A324-F86692F97FD4}" type="datetimeFigureOut">
+            <a:fld id="{BD40E56E-8674-4EFD-B800-CFBAD02ECFB1}" type="datetimeFigureOut">
               <a:rPr lang="zh-CN" altLang="en-US" smtClean="0"/>
               <a:t>2024/3/10</a:t>
             </a:fld>
@@ -671,7 +671,7 @@
           <p:cNvPr id="5" name="页脚占位符 4">
             <a:extLst>
               <a:ext uri="{FF2B5EF4-FFF2-40B4-BE49-F238E27FC236}">
-                <a16:creationId xmlns:a16="http://schemas.microsoft.com/office/drawing/2014/main" id="{CD51BF5D-7A62-558D-B524-D97268C6888C}"/>
+                <a16:creationId xmlns:a16="http://schemas.microsoft.com/office/drawing/2014/main" id="{37057252-E2D5-B981-A7A1-6E578B5510F5}"/>
               </a:ext>
             </a:extLst>
           </p:cNvPr>
@@ -696,7 +696,7 @@
           <p:cNvPr id="6" name="灯片编号占位符 5">
             <a:extLst>
               <a:ext uri="{FF2B5EF4-FFF2-40B4-BE49-F238E27FC236}">
-                <a16:creationId xmlns:a16="http://schemas.microsoft.com/office/drawing/2014/main" id="{D5CA5971-4BC5-A458-87B4-E97E87C93058}"/>
+                <a16:creationId xmlns:a16="http://schemas.microsoft.com/office/drawing/2014/main" id="{929ED153-C80C-EA85-F618-6BBA42823B97}"/>
               </a:ext>
             </a:extLst>
           </p:cNvPr>
@@ -712,7 +712,7 @@
           <a:bodyPr/>
           <a:lstStyle/>
           <a:p>
-            <a:fld id="{3BCC51C4-FA2C-4009-A343-2CE370B11E4E}" type="slidenum">
+            <a:fld id="{092B4744-9D74-4450-A6FC-0B6ABD676DB8}" type="slidenum">
               <a:rPr lang="zh-CN" altLang="en-US" smtClean="0"/>
               <a:t>‹#›</a:t>
             </a:fld>
@@ -723,7 +723,7 @@
     </p:spTree>
     <p:extLst>
       <p:ext uri="{BB962C8B-B14F-4D97-AF65-F5344CB8AC3E}">
-        <p14:creationId xmlns:p14="http://schemas.microsoft.com/office/powerpoint/2010/main" val="3298835932"/>
+        <p14:creationId xmlns:p14="http://schemas.microsoft.com/office/powerpoint/2010/main" val="323537628"/>
       </p:ext>
     </p:extLst>
   </p:cSld>
@@ -755,7 +755,7 @@
           <p:cNvPr id="2" name="标题 1">
             <a:extLst>
               <a:ext uri="{FF2B5EF4-FFF2-40B4-BE49-F238E27FC236}">
-                <a16:creationId xmlns:a16="http://schemas.microsoft.com/office/drawing/2014/main" id="{9B011252-5715-907B-3229-69B2AF0E2057}"/>
+                <a16:creationId xmlns:a16="http://schemas.microsoft.com/office/drawing/2014/main" id="{5DD5075B-F8AE-B23C-576D-3EF04885D8C9}"/>
               </a:ext>
             </a:extLst>
           </p:cNvPr>
@@ -783,7 +783,7 @@
           <p:cNvPr id="3" name="内容占位符 2">
             <a:extLst>
               <a:ext uri="{FF2B5EF4-FFF2-40B4-BE49-F238E27FC236}">
-                <a16:creationId xmlns:a16="http://schemas.microsoft.com/office/drawing/2014/main" id="{CEA82454-6F08-41CC-1B07-0A9A6B131970}"/>
+                <a16:creationId xmlns:a16="http://schemas.microsoft.com/office/drawing/2014/main" id="{AAE20105-EF1B-EAC1-BFB4-42436F86F793}"/>
               </a:ext>
             </a:extLst>
           </p:cNvPr>
@@ -840,7 +840,7 @@
           <p:cNvPr id="4" name="日期占位符 3">
             <a:extLst>
               <a:ext uri="{FF2B5EF4-FFF2-40B4-BE49-F238E27FC236}">
-                <a16:creationId xmlns:a16="http://schemas.microsoft.com/office/drawing/2014/main" id="{64893167-ED38-82ED-B910-A8331410CB64}"/>
+                <a16:creationId xmlns:a16="http://schemas.microsoft.com/office/drawing/2014/main" id="{2B6A90DD-A07B-A88E-6C6F-BAC04586F0B3}"/>
               </a:ext>
             </a:extLst>
           </p:cNvPr>
@@ -856,7 +856,7 @@
           <a:bodyPr/>
           <a:lstStyle/>
           <a:p>
-            <a:fld id="{AF34AED6-7189-42D0-A324-F86692F97FD4}" type="datetimeFigureOut">
+            <a:fld id="{BD40E56E-8674-4EFD-B800-CFBAD02ECFB1}" type="datetimeFigureOut">
               <a:rPr lang="zh-CN" altLang="en-US" smtClean="0"/>
               <a:t>2024/3/10</a:t>
             </a:fld>
@@ -869,7 +869,7 @@
           <p:cNvPr id="5" name="页脚占位符 4">
             <a:extLst>
               <a:ext uri="{FF2B5EF4-FFF2-40B4-BE49-F238E27FC236}">
-                <a16:creationId xmlns:a16="http://schemas.microsoft.com/office/drawing/2014/main" id="{7F5B3113-2732-A60D-15EF-BE6967A55185}"/>
+                <a16:creationId xmlns:a16="http://schemas.microsoft.com/office/drawing/2014/main" id="{2E1A9B4B-DBE7-3D72-C482-5F66C64B70D1}"/>
               </a:ext>
             </a:extLst>
           </p:cNvPr>
@@ -894,7 +894,7 @@
           <p:cNvPr id="6" name="灯片编号占位符 5">
             <a:extLst>
               <a:ext uri="{FF2B5EF4-FFF2-40B4-BE49-F238E27FC236}">
-                <a16:creationId xmlns:a16="http://schemas.microsoft.com/office/drawing/2014/main" id="{49398AD7-FCEE-694A-C3A8-FEA7C206036D}"/>
+                <a16:creationId xmlns:a16="http://schemas.microsoft.com/office/drawing/2014/main" id="{E775BE17-3546-366E-E44E-A797F9A61B42}"/>
               </a:ext>
             </a:extLst>
           </p:cNvPr>
@@ -910,7 +910,7 @@
           <a:bodyPr/>
           <a:lstStyle/>
           <a:p>
-            <a:fld id="{3BCC51C4-FA2C-4009-A343-2CE370B11E4E}" type="slidenum">
+            <a:fld id="{092B4744-9D74-4450-A6FC-0B6ABD676DB8}" type="slidenum">
               <a:rPr lang="zh-CN" altLang="en-US" smtClean="0"/>
               <a:t>‹#›</a:t>
             </a:fld>
@@ -921,7 +921,7 @@
     </p:spTree>
     <p:extLst>
       <p:ext uri="{BB962C8B-B14F-4D97-AF65-F5344CB8AC3E}">
-        <p14:creationId xmlns:p14="http://schemas.microsoft.com/office/powerpoint/2010/main" val="1793507019"/>
+        <p14:creationId xmlns:p14="http://schemas.microsoft.com/office/powerpoint/2010/main" val="864348918"/>
       </p:ext>
     </p:extLst>
   </p:cSld>
@@ -953,7 +953,7 @@
           <p:cNvPr id="2" name="标题 1">
             <a:extLst>
               <a:ext uri="{FF2B5EF4-FFF2-40B4-BE49-F238E27FC236}">
-                <a16:creationId xmlns:a16="http://schemas.microsoft.com/office/drawing/2014/main" id="{44BF2045-403C-76C2-CAEA-E36847E7F79A}"/>
+                <a16:creationId xmlns:a16="http://schemas.microsoft.com/office/drawing/2014/main" id="{7E52DC8D-77BE-DCC4-3199-EB2BC171BD87}"/>
               </a:ext>
             </a:extLst>
           </p:cNvPr>
@@ -990,7 +990,7 @@
           <p:cNvPr id="3" name="文本占位符 2">
             <a:extLst>
               <a:ext uri="{FF2B5EF4-FFF2-40B4-BE49-F238E27FC236}">
-                <a16:creationId xmlns:a16="http://schemas.microsoft.com/office/drawing/2014/main" id="{21BF751A-8FF5-9435-1B14-5C7850D36AC3}"/>
+                <a16:creationId xmlns:a16="http://schemas.microsoft.com/office/drawing/2014/main" id="{73F02559-5230-4EF3-FB24-FA2F0F7D5948}"/>
               </a:ext>
             </a:extLst>
           </p:cNvPr>
@@ -1115,7 +1115,7 @@
           <p:cNvPr id="4" name="日期占位符 3">
             <a:extLst>
               <a:ext uri="{FF2B5EF4-FFF2-40B4-BE49-F238E27FC236}">
-                <a16:creationId xmlns:a16="http://schemas.microsoft.com/office/drawing/2014/main" id="{5E5ABA30-6BE1-09ED-F335-50389F7D97AC}"/>
+                <a16:creationId xmlns:a16="http://schemas.microsoft.com/office/drawing/2014/main" id="{F720C3F0-5D75-DF07-8514-DE67E5C1FA4B}"/>
               </a:ext>
             </a:extLst>
           </p:cNvPr>
@@ -1131,7 +1131,7 @@
           <a:bodyPr/>
           <a:lstStyle/>
           <a:p>
-            <a:fld id="{AF34AED6-7189-42D0-A324-F86692F97FD4}" type="datetimeFigureOut">
+            <a:fld id="{BD40E56E-8674-4EFD-B800-CFBAD02ECFB1}" type="datetimeFigureOut">
               <a:rPr lang="zh-CN" altLang="en-US" smtClean="0"/>
               <a:t>2024/3/10</a:t>
             </a:fld>
@@ -1144,7 +1144,7 @@
           <p:cNvPr id="5" name="页脚占位符 4">
             <a:extLst>
               <a:ext uri="{FF2B5EF4-FFF2-40B4-BE49-F238E27FC236}">
-                <a16:creationId xmlns:a16="http://schemas.microsoft.com/office/drawing/2014/main" id="{1984BC57-6F3F-3B07-116B-CB851F774093}"/>
+                <a16:creationId xmlns:a16="http://schemas.microsoft.com/office/drawing/2014/main" id="{263CFC3A-2DFA-2EBB-E0AF-F742036D8823}"/>
               </a:ext>
             </a:extLst>
           </p:cNvPr>
@@ -1169,7 +1169,7 @@
           <p:cNvPr id="6" name="灯片编号占位符 5">
             <a:extLst>
               <a:ext uri="{FF2B5EF4-FFF2-40B4-BE49-F238E27FC236}">
-                <a16:creationId xmlns:a16="http://schemas.microsoft.com/office/drawing/2014/main" id="{73843531-414F-C266-EFE6-B740B2D35CC7}"/>
+                <a16:creationId xmlns:a16="http://schemas.microsoft.com/office/drawing/2014/main" id="{ABD68D85-098B-E7BE-E0B6-8D360A89DF3A}"/>
               </a:ext>
             </a:extLst>
           </p:cNvPr>
@@ -1185,7 +1185,7 @@
           <a:bodyPr/>
           <a:lstStyle/>
           <a:p>
-            <a:fld id="{3BCC51C4-FA2C-4009-A343-2CE370B11E4E}" type="slidenum">
+            <a:fld id="{092B4744-9D74-4450-A6FC-0B6ABD676DB8}" type="slidenum">
               <a:rPr lang="zh-CN" altLang="en-US" smtClean="0"/>
               <a:t>‹#›</a:t>
             </a:fld>
@@ -1196,7 +1196,7 @@
     </p:spTree>
     <p:extLst>
       <p:ext uri="{BB962C8B-B14F-4D97-AF65-F5344CB8AC3E}">
-        <p14:creationId xmlns:p14="http://schemas.microsoft.com/office/powerpoint/2010/main" val="2461259068"/>
+        <p14:creationId xmlns:p14="http://schemas.microsoft.com/office/powerpoint/2010/main" val="909602354"/>
       </p:ext>
     </p:extLst>
   </p:cSld>
@@ -1228,7 +1228,7 @@
           <p:cNvPr id="2" name="标题 1">
             <a:extLst>
               <a:ext uri="{FF2B5EF4-FFF2-40B4-BE49-F238E27FC236}">
-                <a16:creationId xmlns:a16="http://schemas.microsoft.com/office/drawing/2014/main" id="{A7B37365-AFB8-6C24-ACF8-89A16C58E9F0}"/>
+                <a16:creationId xmlns:a16="http://schemas.microsoft.com/office/drawing/2014/main" id="{F80039F1-7C9A-6FBD-28FF-064099DEC701}"/>
               </a:ext>
             </a:extLst>
           </p:cNvPr>
@@ -1256,7 +1256,7 @@
           <p:cNvPr id="3" name="内容占位符 2">
             <a:extLst>
               <a:ext uri="{FF2B5EF4-FFF2-40B4-BE49-F238E27FC236}">
-                <a16:creationId xmlns:a16="http://schemas.microsoft.com/office/drawing/2014/main" id="{50FA123B-256E-AF53-0D97-547C0D684ABC}"/>
+                <a16:creationId xmlns:a16="http://schemas.microsoft.com/office/drawing/2014/main" id="{FD0F5A30-0F5A-B301-A516-41FB0D51C3D3}"/>
               </a:ext>
             </a:extLst>
           </p:cNvPr>
@@ -1318,7 +1318,7 @@
           <p:cNvPr id="4" name="内容占位符 3">
             <a:extLst>
               <a:ext uri="{FF2B5EF4-FFF2-40B4-BE49-F238E27FC236}">
-                <a16:creationId xmlns:a16="http://schemas.microsoft.com/office/drawing/2014/main" id="{ED294142-FEA8-A10B-E4CB-5F76C1A67347}"/>
+                <a16:creationId xmlns:a16="http://schemas.microsoft.com/office/drawing/2014/main" id="{139AD63F-78E3-D922-D1C2-804803DE83C8}"/>
               </a:ext>
             </a:extLst>
           </p:cNvPr>
@@ -1380,7 +1380,7 @@
           <p:cNvPr id="5" name="日期占位符 4">
             <a:extLst>
               <a:ext uri="{FF2B5EF4-FFF2-40B4-BE49-F238E27FC236}">
-                <a16:creationId xmlns:a16="http://schemas.microsoft.com/office/drawing/2014/main" id="{0375FCB7-1A71-D2D9-980D-720AAEB7AD95}"/>
+                <a16:creationId xmlns:a16="http://schemas.microsoft.com/office/drawing/2014/main" id="{6A9E27FA-30F2-8202-BD33-447CE00616BA}"/>
               </a:ext>
             </a:extLst>
           </p:cNvPr>
@@ -1396,7 +1396,7 @@
           <a:bodyPr/>
           <a:lstStyle/>
           <a:p>
-            <a:fld id="{AF34AED6-7189-42D0-A324-F86692F97FD4}" type="datetimeFigureOut">
+            <a:fld id="{BD40E56E-8674-4EFD-B800-CFBAD02ECFB1}" type="datetimeFigureOut">
               <a:rPr lang="zh-CN" altLang="en-US" smtClean="0"/>
               <a:t>2024/3/10</a:t>
             </a:fld>
@@ -1409,7 +1409,7 @@
           <p:cNvPr id="6" name="页脚占位符 5">
             <a:extLst>
               <a:ext uri="{FF2B5EF4-FFF2-40B4-BE49-F238E27FC236}">
-                <a16:creationId xmlns:a16="http://schemas.microsoft.com/office/drawing/2014/main" id="{45750443-515D-CEC7-5E58-F0ED65AD476B}"/>
+                <a16:creationId xmlns:a16="http://schemas.microsoft.com/office/drawing/2014/main" id="{575C29D7-EDD7-FDFB-6943-C3F1A2DBEC66}"/>
               </a:ext>
             </a:extLst>
           </p:cNvPr>
@@ -1434,7 +1434,7 @@
           <p:cNvPr id="7" name="灯片编号占位符 6">
             <a:extLst>
               <a:ext uri="{FF2B5EF4-FFF2-40B4-BE49-F238E27FC236}">
-                <a16:creationId xmlns:a16="http://schemas.microsoft.com/office/drawing/2014/main" id="{AD76A56A-D664-B17B-FE36-C78EBE5E1554}"/>
+                <a16:creationId xmlns:a16="http://schemas.microsoft.com/office/drawing/2014/main" id="{C3D1A13A-5757-CF59-B0DA-5080EE4C6B26}"/>
               </a:ext>
             </a:extLst>
           </p:cNvPr>
@@ -1450,7 +1450,7 @@
           <a:bodyPr/>
           <a:lstStyle/>
           <a:p>
-            <a:fld id="{3BCC51C4-FA2C-4009-A343-2CE370B11E4E}" type="slidenum">
+            <a:fld id="{092B4744-9D74-4450-A6FC-0B6ABD676DB8}" type="slidenum">
               <a:rPr lang="zh-CN" altLang="en-US" smtClean="0"/>
               <a:t>‹#›</a:t>
             </a:fld>
@@ -1461,7 +1461,7 @@
     </p:spTree>
     <p:extLst>
       <p:ext uri="{BB962C8B-B14F-4D97-AF65-F5344CB8AC3E}">
-        <p14:creationId xmlns:p14="http://schemas.microsoft.com/office/powerpoint/2010/main" val="1427219518"/>
+        <p14:creationId xmlns:p14="http://schemas.microsoft.com/office/powerpoint/2010/main" val="3679109346"/>
       </p:ext>
     </p:extLst>
   </p:cSld>
@@ -1493,7 +1493,7 @@
           <p:cNvPr id="2" name="标题 1">
             <a:extLst>
               <a:ext uri="{FF2B5EF4-FFF2-40B4-BE49-F238E27FC236}">
-                <a16:creationId xmlns:a16="http://schemas.microsoft.com/office/drawing/2014/main" id="{28C9C22B-F2C0-8F98-6F1F-D29DB65B2E9C}"/>
+                <a16:creationId xmlns:a16="http://schemas.microsoft.com/office/drawing/2014/main" id="{D4F94A51-113E-2555-6FD3-77CFA06B7842}"/>
               </a:ext>
             </a:extLst>
           </p:cNvPr>
@@ -1526,7 +1526,7 @@
           <p:cNvPr id="3" name="文本占位符 2">
             <a:extLst>
               <a:ext uri="{FF2B5EF4-FFF2-40B4-BE49-F238E27FC236}">
-                <a16:creationId xmlns:a16="http://schemas.microsoft.com/office/drawing/2014/main" id="{DE695F87-7413-B5BC-FE52-3B0EE057F7F7}"/>
+                <a16:creationId xmlns:a16="http://schemas.microsoft.com/office/drawing/2014/main" id="{7C39C67F-C7E2-8F38-999B-1887430B5777}"/>
               </a:ext>
             </a:extLst>
           </p:cNvPr>
@@ -1597,7 +1597,7 @@
           <p:cNvPr id="4" name="内容占位符 3">
             <a:extLst>
               <a:ext uri="{FF2B5EF4-FFF2-40B4-BE49-F238E27FC236}">
-                <a16:creationId xmlns:a16="http://schemas.microsoft.com/office/drawing/2014/main" id="{6359FB2C-203E-ECAD-6225-BB7133C51878}"/>
+                <a16:creationId xmlns:a16="http://schemas.microsoft.com/office/drawing/2014/main" id="{87932545-ED86-02FC-AAFD-AEC8BA2089DB}"/>
               </a:ext>
             </a:extLst>
           </p:cNvPr>
@@ -1659,7 +1659,7 @@
           <p:cNvPr id="5" name="文本占位符 4">
             <a:extLst>
               <a:ext uri="{FF2B5EF4-FFF2-40B4-BE49-F238E27FC236}">
-                <a16:creationId xmlns:a16="http://schemas.microsoft.com/office/drawing/2014/main" id="{3EE80238-9F61-F8B3-8B25-09666D490676}"/>
+                <a16:creationId xmlns:a16="http://schemas.microsoft.com/office/drawing/2014/main" id="{4AAF9D34-6F2E-4EC6-FF8D-6CC0A60EA8C0}"/>
               </a:ext>
             </a:extLst>
           </p:cNvPr>
@@ -1730,7 +1730,7 @@
           <p:cNvPr id="6" name="内容占位符 5">
             <a:extLst>
               <a:ext uri="{FF2B5EF4-FFF2-40B4-BE49-F238E27FC236}">
-                <a16:creationId xmlns:a16="http://schemas.microsoft.com/office/drawing/2014/main" id="{73467E77-A8A8-974D-1F13-AAB3E25E6B18}"/>
+                <a16:creationId xmlns:a16="http://schemas.microsoft.com/office/drawing/2014/main" id="{5E31A07E-9D6A-5D1A-2F00-3D496D267DBE}"/>
               </a:ext>
             </a:extLst>
           </p:cNvPr>
@@ -1792,7 +1792,7 @@
           <p:cNvPr id="7" name="日期占位符 6">
             <a:extLst>
               <a:ext uri="{FF2B5EF4-FFF2-40B4-BE49-F238E27FC236}">
-                <a16:creationId xmlns:a16="http://schemas.microsoft.com/office/drawing/2014/main" id="{5EC4DC21-BD6A-3217-F8A7-BAD9C8617915}"/>
+                <a16:creationId xmlns:a16="http://schemas.microsoft.com/office/drawing/2014/main" id="{B111ED24-4AF3-37C9-0929-EF733748F14A}"/>
               </a:ext>
             </a:extLst>
           </p:cNvPr>
@@ -1808,7 +1808,7 @@
           <a:bodyPr/>
           <a:lstStyle/>
           <a:p>
-            <a:fld id="{AF34AED6-7189-42D0-A324-F86692F97FD4}" type="datetimeFigureOut">
+            <a:fld id="{BD40E56E-8674-4EFD-B800-CFBAD02ECFB1}" type="datetimeFigureOut">
               <a:rPr lang="zh-CN" altLang="en-US" smtClean="0"/>
               <a:t>2024/3/10</a:t>
             </a:fld>
@@ -1821,7 +1821,7 @@
           <p:cNvPr id="8" name="页脚占位符 7">
             <a:extLst>
               <a:ext uri="{FF2B5EF4-FFF2-40B4-BE49-F238E27FC236}">
-                <a16:creationId xmlns:a16="http://schemas.microsoft.com/office/drawing/2014/main" id="{C3C04107-D88D-CC64-3E3A-F20A7C71E43A}"/>
+                <a16:creationId xmlns:a16="http://schemas.microsoft.com/office/drawing/2014/main" id="{26ED6B6A-105E-FFC2-C9D6-886E691928E3}"/>
               </a:ext>
             </a:extLst>
           </p:cNvPr>
@@ -1846,7 +1846,7 @@
           <p:cNvPr id="9" name="灯片编号占位符 8">
             <a:extLst>
               <a:ext uri="{FF2B5EF4-FFF2-40B4-BE49-F238E27FC236}">
-                <a16:creationId xmlns:a16="http://schemas.microsoft.com/office/drawing/2014/main" id="{8F9982B1-F706-D95C-C4A1-56D2225DB426}"/>
+                <a16:creationId xmlns:a16="http://schemas.microsoft.com/office/drawing/2014/main" id="{9254D7E3-A167-46B7-000E-195635585915}"/>
               </a:ext>
             </a:extLst>
           </p:cNvPr>
@@ -1862,7 +1862,7 @@
           <a:bodyPr/>
           <a:lstStyle/>
           <a:p>
-            <a:fld id="{3BCC51C4-FA2C-4009-A343-2CE370B11E4E}" type="slidenum">
+            <a:fld id="{092B4744-9D74-4450-A6FC-0B6ABD676DB8}" type="slidenum">
               <a:rPr lang="zh-CN" altLang="en-US" smtClean="0"/>
               <a:t>‹#›</a:t>
             </a:fld>
@@ -1873,7 +1873,7 @@
     </p:spTree>
     <p:extLst>
       <p:ext uri="{BB962C8B-B14F-4D97-AF65-F5344CB8AC3E}">
-        <p14:creationId xmlns:p14="http://schemas.microsoft.com/office/powerpoint/2010/main" val="386288397"/>
+        <p14:creationId xmlns:p14="http://schemas.microsoft.com/office/powerpoint/2010/main" val="2284786577"/>
       </p:ext>
     </p:extLst>
   </p:cSld>
@@ -1905,7 +1905,7 @@
           <p:cNvPr id="2" name="标题 1">
             <a:extLst>
               <a:ext uri="{FF2B5EF4-FFF2-40B4-BE49-F238E27FC236}">
-                <a16:creationId xmlns:a16="http://schemas.microsoft.com/office/drawing/2014/main" id="{0B641D58-4742-D3E7-4304-4EC7B6071719}"/>
+                <a16:creationId xmlns:a16="http://schemas.microsoft.com/office/drawing/2014/main" id="{3060C727-985D-7496-1CCB-21B6865C583C}"/>
               </a:ext>
             </a:extLst>
           </p:cNvPr>
@@ -1933,7 +1933,7 @@
           <p:cNvPr id="3" name="日期占位符 2">
             <a:extLst>
               <a:ext uri="{FF2B5EF4-FFF2-40B4-BE49-F238E27FC236}">
-                <a16:creationId xmlns:a16="http://schemas.microsoft.com/office/drawing/2014/main" id="{F8370295-DEDE-A444-D46B-C6322938E593}"/>
+                <a16:creationId xmlns:a16="http://schemas.microsoft.com/office/drawing/2014/main" id="{1361F474-A29E-7041-00E5-56ADE89B4F47}"/>
               </a:ext>
             </a:extLst>
           </p:cNvPr>
@@ -1949,7 +1949,7 @@
           <a:bodyPr/>
           <a:lstStyle/>
           <a:p>
-            <a:fld id="{AF34AED6-7189-42D0-A324-F86692F97FD4}" type="datetimeFigureOut">
+            <a:fld id="{BD40E56E-8674-4EFD-B800-CFBAD02ECFB1}" type="datetimeFigureOut">
               <a:rPr lang="zh-CN" altLang="en-US" smtClean="0"/>
               <a:t>2024/3/10</a:t>
             </a:fld>
@@ -1962,7 +1962,7 @@
           <p:cNvPr id="4" name="页脚占位符 3">
             <a:extLst>
               <a:ext uri="{FF2B5EF4-FFF2-40B4-BE49-F238E27FC236}">
-                <a16:creationId xmlns:a16="http://schemas.microsoft.com/office/drawing/2014/main" id="{12F7D141-E591-E1CC-7715-7F2BFA2298CC}"/>
+                <a16:creationId xmlns:a16="http://schemas.microsoft.com/office/drawing/2014/main" id="{C62287A0-8BBB-C118-9A8E-14B96025A4C8}"/>
               </a:ext>
             </a:extLst>
           </p:cNvPr>
@@ -1987,7 +1987,7 @@
           <p:cNvPr id="5" name="灯片编号占位符 4">
             <a:extLst>
               <a:ext uri="{FF2B5EF4-FFF2-40B4-BE49-F238E27FC236}">
-                <a16:creationId xmlns:a16="http://schemas.microsoft.com/office/drawing/2014/main" id="{AD5824BC-A874-06F4-D30F-0C41F1D598B3}"/>
+                <a16:creationId xmlns:a16="http://schemas.microsoft.com/office/drawing/2014/main" id="{089EEFB9-0E21-8738-DF81-F146AD4443E4}"/>
               </a:ext>
             </a:extLst>
           </p:cNvPr>
@@ -2003,7 +2003,7 @@
           <a:bodyPr/>
           <a:lstStyle/>
           <a:p>
-            <a:fld id="{3BCC51C4-FA2C-4009-A343-2CE370B11E4E}" type="slidenum">
+            <a:fld id="{092B4744-9D74-4450-A6FC-0B6ABD676DB8}" type="slidenum">
               <a:rPr lang="zh-CN" altLang="en-US" smtClean="0"/>
               <a:t>‹#›</a:t>
             </a:fld>
@@ -2014,7 +2014,7 @@
     </p:spTree>
     <p:extLst>
       <p:ext uri="{BB962C8B-B14F-4D97-AF65-F5344CB8AC3E}">
-        <p14:creationId xmlns:p14="http://schemas.microsoft.com/office/powerpoint/2010/main" val="3783349755"/>
+        <p14:creationId xmlns:p14="http://schemas.microsoft.com/office/powerpoint/2010/main" val="2279612331"/>
       </p:ext>
     </p:extLst>
   </p:cSld>
@@ -2046,7 +2046,7 @@
           <p:cNvPr id="2" name="日期占位符 1">
             <a:extLst>
               <a:ext uri="{FF2B5EF4-FFF2-40B4-BE49-F238E27FC236}">
-                <a16:creationId xmlns:a16="http://schemas.microsoft.com/office/drawing/2014/main" id="{7B96D65C-F6C7-37E8-C656-5D59CA1699A9}"/>
+                <a16:creationId xmlns:a16="http://schemas.microsoft.com/office/drawing/2014/main" id="{DDF36C13-EDED-B2C6-6503-C35EC4A8DBC7}"/>
               </a:ext>
             </a:extLst>
           </p:cNvPr>
@@ -2062,7 +2062,7 @@
           <a:bodyPr/>
           <a:lstStyle/>
           <a:p>
-            <a:fld id="{AF34AED6-7189-42D0-A324-F86692F97FD4}" type="datetimeFigureOut">
+            <a:fld id="{BD40E56E-8674-4EFD-B800-CFBAD02ECFB1}" type="datetimeFigureOut">
               <a:rPr lang="zh-CN" altLang="en-US" smtClean="0"/>
               <a:t>2024/3/10</a:t>
             </a:fld>
@@ -2075,7 +2075,7 @@
           <p:cNvPr id="3" name="页脚占位符 2">
             <a:extLst>
               <a:ext uri="{FF2B5EF4-FFF2-40B4-BE49-F238E27FC236}">
-                <a16:creationId xmlns:a16="http://schemas.microsoft.com/office/drawing/2014/main" id="{F34A19F8-1281-FA22-5EE7-AE2EFBC6F463}"/>
+                <a16:creationId xmlns:a16="http://schemas.microsoft.com/office/drawing/2014/main" id="{B8C1A48A-6520-F7E7-196C-40D4F13F3613}"/>
               </a:ext>
             </a:extLst>
           </p:cNvPr>
@@ -2100,7 +2100,7 @@
           <p:cNvPr id="4" name="灯片编号占位符 3">
             <a:extLst>
               <a:ext uri="{FF2B5EF4-FFF2-40B4-BE49-F238E27FC236}">
-                <a16:creationId xmlns:a16="http://schemas.microsoft.com/office/drawing/2014/main" id="{E9D0FC8C-87D0-90AF-3327-42F79ED40B75}"/>
+                <a16:creationId xmlns:a16="http://schemas.microsoft.com/office/drawing/2014/main" id="{305A177F-7E27-F48C-08CA-CA3A58E6B641}"/>
               </a:ext>
             </a:extLst>
           </p:cNvPr>
@@ -2116,7 +2116,7 @@
           <a:bodyPr/>
           <a:lstStyle/>
           <a:p>
-            <a:fld id="{3BCC51C4-FA2C-4009-A343-2CE370B11E4E}" type="slidenum">
+            <a:fld id="{092B4744-9D74-4450-A6FC-0B6ABD676DB8}" type="slidenum">
               <a:rPr lang="zh-CN" altLang="en-US" smtClean="0"/>
               <a:t>‹#›</a:t>
             </a:fld>
@@ -2127,7 +2127,7 @@
     </p:spTree>
     <p:extLst>
       <p:ext uri="{BB962C8B-B14F-4D97-AF65-F5344CB8AC3E}">
-        <p14:creationId xmlns:p14="http://schemas.microsoft.com/office/powerpoint/2010/main" val="3212882123"/>
+        <p14:creationId xmlns:p14="http://schemas.microsoft.com/office/powerpoint/2010/main" val="1605738293"/>
       </p:ext>
     </p:extLst>
   </p:cSld>
@@ -2159,7 +2159,7 @@
           <p:cNvPr id="2" name="标题 1">
             <a:extLst>
               <a:ext uri="{FF2B5EF4-FFF2-40B4-BE49-F238E27FC236}">
-                <a16:creationId xmlns:a16="http://schemas.microsoft.com/office/drawing/2014/main" id="{DC64F3C2-128D-4410-478D-73D05CD125C0}"/>
+                <a16:creationId xmlns:a16="http://schemas.microsoft.com/office/drawing/2014/main" id="{B0B74731-150D-EB03-6FF5-3EDC01D396F0}"/>
               </a:ext>
             </a:extLst>
           </p:cNvPr>
@@ -2196,7 +2196,7 @@
           <p:cNvPr id="3" name="内容占位符 2">
             <a:extLst>
               <a:ext uri="{FF2B5EF4-FFF2-40B4-BE49-F238E27FC236}">
-                <a16:creationId xmlns:a16="http://schemas.microsoft.com/office/drawing/2014/main" id="{88CE4737-CA0C-4D20-3CD9-35DCD5AB5F53}"/>
+                <a16:creationId xmlns:a16="http://schemas.microsoft.com/office/drawing/2014/main" id="{A6445BAD-DC75-BED1-7C4C-7EF73C888F94}"/>
               </a:ext>
             </a:extLst>
           </p:cNvPr>
@@ -2286,7 +2286,7 @@
           <p:cNvPr id="4" name="文本占位符 3">
             <a:extLst>
               <a:ext uri="{FF2B5EF4-FFF2-40B4-BE49-F238E27FC236}">
-                <a16:creationId xmlns:a16="http://schemas.microsoft.com/office/drawing/2014/main" id="{90C69426-45A4-4CFA-3E9E-BB7C3C7D8B0E}"/>
+                <a16:creationId xmlns:a16="http://schemas.microsoft.com/office/drawing/2014/main" id="{DD1A440A-900B-01D7-D58D-82880AEDB457}"/>
               </a:ext>
             </a:extLst>
           </p:cNvPr>
@@ -2357,7 +2357,7 @@
           <p:cNvPr id="5" name="日期占位符 4">
             <a:extLst>
               <a:ext uri="{FF2B5EF4-FFF2-40B4-BE49-F238E27FC236}">
-                <a16:creationId xmlns:a16="http://schemas.microsoft.com/office/drawing/2014/main" id="{0A011B22-9595-13D4-702B-96816DF75F3A}"/>
+                <a16:creationId xmlns:a16="http://schemas.microsoft.com/office/drawing/2014/main" id="{3EC1E869-DE11-8C8B-DE60-D63FF2E47D14}"/>
               </a:ext>
             </a:extLst>
           </p:cNvPr>
@@ -2373,7 +2373,7 @@
           <a:bodyPr/>
           <a:lstStyle/>
           <a:p>
-            <a:fld id="{AF34AED6-7189-42D0-A324-F86692F97FD4}" type="datetimeFigureOut">
+            <a:fld id="{BD40E56E-8674-4EFD-B800-CFBAD02ECFB1}" type="datetimeFigureOut">
               <a:rPr lang="zh-CN" altLang="en-US" smtClean="0"/>
               <a:t>2024/3/10</a:t>
             </a:fld>
@@ -2386,7 +2386,7 @@
           <p:cNvPr id="6" name="页脚占位符 5">
             <a:extLst>
               <a:ext uri="{FF2B5EF4-FFF2-40B4-BE49-F238E27FC236}">
-                <a16:creationId xmlns:a16="http://schemas.microsoft.com/office/drawing/2014/main" id="{D6825D3E-31DC-696F-1596-533C8348ACBB}"/>
+                <a16:creationId xmlns:a16="http://schemas.microsoft.com/office/drawing/2014/main" id="{21637706-3ABA-0857-7E1C-FBE594CC4828}"/>
               </a:ext>
             </a:extLst>
           </p:cNvPr>
@@ -2411,7 +2411,7 @@
           <p:cNvPr id="7" name="灯片编号占位符 6">
             <a:extLst>
               <a:ext uri="{FF2B5EF4-FFF2-40B4-BE49-F238E27FC236}">
-                <a16:creationId xmlns:a16="http://schemas.microsoft.com/office/drawing/2014/main" id="{36703FEB-020F-6E9C-A2F0-82790CF5F3FB}"/>
+                <a16:creationId xmlns:a16="http://schemas.microsoft.com/office/drawing/2014/main" id="{F169DD92-9176-1F30-D908-FD9C374456D2}"/>
               </a:ext>
             </a:extLst>
           </p:cNvPr>
@@ -2427,7 +2427,7 @@
           <a:bodyPr/>
           <a:lstStyle/>
           <a:p>
-            <a:fld id="{3BCC51C4-FA2C-4009-A343-2CE370B11E4E}" type="slidenum">
+            <a:fld id="{092B4744-9D74-4450-A6FC-0B6ABD676DB8}" type="slidenum">
               <a:rPr lang="zh-CN" altLang="en-US" smtClean="0"/>
               <a:t>‹#›</a:t>
             </a:fld>
@@ -2438,7 +2438,7 @@
     </p:spTree>
     <p:extLst>
       <p:ext uri="{BB962C8B-B14F-4D97-AF65-F5344CB8AC3E}">
-        <p14:creationId xmlns:p14="http://schemas.microsoft.com/office/powerpoint/2010/main" val="881969246"/>
+        <p14:creationId xmlns:p14="http://schemas.microsoft.com/office/powerpoint/2010/main" val="3705031497"/>
       </p:ext>
     </p:extLst>
   </p:cSld>
@@ -2470,7 +2470,7 @@
           <p:cNvPr id="2" name="标题 1">
             <a:extLst>
               <a:ext uri="{FF2B5EF4-FFF2-40B4-BE49-F238E27FC236}">
-                <a16:creationId xmlns:a16="http://schemas.microsoft.com/office/drawing/2014/main" id="{5BBEC56F-5003-FD3A-0831-DA0B8D0937DC}"/>
+                <a16:creationId xmlns:a16="http://schemas.microsoft.com/office/drawing/2014/main" id="{2985C08D-4D02-8A4B-1FBC-266C27AC1188}"/>
               </a:ext>
             </a:extLst>
           </p:cNvPr>
@@ -2507,7 +2507,7 @@
           <p:cNvPr id="3" name="图片占位符 2">
             <a:extLst>
               <a:ext uri="{FF2B5EF4-FFF2-40B4-BE49-F238E27FC236}">
-                <a16:creationId xmlns:a16="http://schemas.microsoft.com/office/drawing/2014/main" id="{7E245C2A-F0AD-E99D-DF1A-01358EF872BB}"/>
+                <a16:creationId xmlns:a16="http://schemas.microsoft.com/office/drawing/2014/main" id="{346871AB-C260-A7EC-4DDC-6CCA0E4A1DE8}"/>
               </a:ext>
             </a:extLst>
           </p:cNvPr>
@@ -2574,7 +2574,7 @@
           <p:cNvPr id="4" name="文本占位符 3">
             <a:extLst>
               <a:ext uri="{FF2B5EF4-FFF2-40B4-BE49-F238E27FC236}">
-                <a16:creationId xmlns:a16="http://schemas.microsoft.com/office/drawing/2014/main" id="{EDDA3163-CA0B-FA76-C4AA-5903F1689CD4}"/>
+                <a16:creationId xmlns:a16="http://schemas.microsoft.com/office/drawing/2014/main" id="{BDD307BE-E34E-63E4-FDCC-24E125CA9ED7}"/>
               </a:ext>
             </a:extLst>
           </p:cNvPr>
@@ -2645,7 +2645,7 @@
           <p:cNvPr id="5" name="日期占位符 4">
             <a:extLst>
               <a:ext uri="{FF2B5EF4-FFF2-40B4-BE49-F238E27FC236}">
-                <a16:creationId xmlns:a16="http://schemas.microsoft.com/office/drawing/2014/main" id="{F62FAC3E-A423-501B-355C-E6A4995759D4}"/>
+                <a16:creationId xmlns:a16="http://schemas.microsoft.com/office/drawing/2014/main" id="{129C97EA-A1DC-A84D-D1DE-4C09EEC86710}"/>
               </a:ext>
             </a:extLst>
           </p:cNvPr>
@@ -2661,7 +2661,7 @@
           <a:bodyPr/>
           <a:lstStyle/>
           <a:p>
-            <a:fld id="{AF34AED6-7189-42D0-A324-F86692F97FD4}" type="datetimeFigureOut">
+            <a:fld id="{BD40E56E-8674-4EFD-B800-CFBAD02ECFB1}" type="datetimeFigureOut">
               <a:rPr lang="zh-CN" altLang="en-US" smtClean="0"/>
               <a:t>2024/3/10</a:t>
             </a:fld>
@@ -2674,7 +2674,7 @@
           <p:cNvPr id="6" name="页脚占位符 5">
             <a:extLst>
               <a:ext uri="{FF2B5EF4-FFF2-40B4-BE49-F238E27FC236}">
-                <a16:creationId xmlns:a16="http://schemas.microsoft.com/office/drawing/2014/main" id="{F6C6381F-4019-28FC-E09E-853F19D22325}"/>
+                <a16:creationId xmlns:a16="http://schemas.microsoft.com/office/drawing/2014/main" id="{C134791D-292C-7EA4-6234-828741E48107}"/>
               </a:ext>
             </a:extLst>
           </p:cNvPr>
@@ -2699,7 +2699,7 @@
           <p:cNvPr id="7" name="灯片编号占位符 6">
             <a:extLst>
               <a:ext uri="{FF2B5EF4-FFF2-40B4-BE49-F238E27FC236}">
-                <a16:creationId xmlns:a16="http://schemas.microsoft.com/office/drawing/2014/main" id="{75E6F8E3-E18F-5BBE-5BB3-FAD20641AFCD}"/>
+                <a16:creationId xmlns:a16="http://schemas.microsoft.com/office/drawing/2014/main" id="{67C858B4-141A-656B-9427-9A4D4D4414E1}"/>
               </a:ext>
             </a:extLst>
           </p:cNvPr>
@@ -2715,7 +2715,7 @@
           <a:bodyPr/>
           <a:lstStyle/>
           <a:p>
-            <a:fld id="{3BCC51C4-FA2C-4009-A343-2CE370B11E4E}" type="slidenum">
+            <a:fld id="{092B4744-9D74-4450-A6FC-0B6ABD676DB8}" type="slidenum">
               <a:rPr lang="zh-CN" altLang="en-US" smtClean="0"/>
               <a:t>‹#›</a:t>
             </a:fld>
@@ -2726,7 +2726,7 @@
     </p:spTree>
     <p:extLst>
       <p:ext uri="{BB962C8B-B14F-4D97-AF65-F5344CB8AC3E}">
-        <p14:creationId xmlns:p14="http://schemas.microsoft.com/office/powerpoint/2010/main" val="301990835"/>
+        <p14:creationId xmlns:p14="http://schemas.microsoft.com/office/powerpoint/2010/main" val="2403651726"/>
       </p:ext>
     </p:extLst>
   </p:cSld>
@@ -2763,7 +2763,7 @@
           <p:cNvPr id="2" name="标题占位符 1">
             <a:extLst>
               <a:ext uri="{FF2B5EF4-FFF2-40B4-BE49-F238E27FC236}">
-                <a16:creationId xmlns:a16="http://schemas.microsoft.com/office/drawing/2014/main" id="{834C80DA-4BA2-5464-7FBA-03DB6C93EB4D}"/>
+                <a16:creationId xmlns:a16="http://schemas.microsoft.com/office/drawing/2014/main" id="{BD923A29-0718-032F-360A-910106F5FE52}"/>
               </a:ext>
             </a:extLst>
           </p:cNvPr>
@@ -2801,7 +2801,7 @@
           <p:cNvPr id="3" name="文本占位符 2">
             <a:extLst>
               <a:ext uri="{FF2B5EF4-FFF2-40B4-BE49-F238E27FC236}">
-                <a16:creationId xmlns:a16="http://schemas.microsoft.com/office/drawing/2014/main" id="{DA8FBB28-1F0C-2D12-EB9E-333FEA858F5A}"/>
+                <a16:creationId xmlns:a16="http://schemas.microsoft.com/office/drawing/2014/main" id="{E9CE5489-7D89-821B-3135-A4C08434D448}"/>
               </a:ext>
             </a:extLst>
           </p:cNvPr>
@@ -2868,7 +2868,7 @@
           <p:cNvPr id="4" name="日期占位符 3">
             <a:extLst>
               <a:ext uri="{FF2B5EF4-FFF2-40B4-BE49-F238E27FC236}">
-                <a16:creationId xmlns:a16="http://schemas.microsoft.com/office/drawing/2014/main" id="{FF39125E-6EE5-7561-A600-FE1F54A686F8}"/>
+                <a16:creationId xmlns:a16="http://schemas.microsoft.com/office/drawing/2014/main" id="{0C681262-250F-4CFB-5497-D527BC1DA4F4}"/>
               </a:ext>
             </a:extLst>
           </p:cNvPr>
@@ -2902,7 +2902,7 @@
             </a:lvl1pPr>
           </a:lstStyle>
           <a:p>
-            <a:fld id="{AF34AED6-7189-42D0-A324-F86692F97FD4}" type="datetimeFigureOut">
+            <a:fld id="{BD40E56E-8674-4EFD-B800-CFBAD02ECFB1}" type="datetimeFigureOut">
               <a:rPr lang="zh-CN" altLang="en-US" smtClean="0"/>
               <a:t>2024/3/10</a:t>
             </a:fld>
@@ -2915,7 +2915,7 @@
           <p:cNvPr id="5" name="页脚占位符 4">
             <a:extLst>
               <a:ext uri="{FF2B5EF4-FFF2-40B4-BE49-F238E27FC236}">
-                <a16:creationId xmlns:a16="http://schemas.microsoft.com/office/drawing/2014/main" id="{7067BD0B-B409-A397-DA48-7804109DE07F}"/>
+                <a16:creationId xmlns:a16="http://schemas.microsoft.com/office/drawing/2014/main" id="{6C783368-AF2D-40D7-0601-EFE74D93B7A1}"/>
               </a:ext>
             </a:extLst>
           </p:cNvPr>
@@ -2958,7 +2958,7 @@
           <p:cNvPr id="6" name="灯片编号占位符 5">
             <a:extLst>
               <a:ext uri="{FF2B5EF4-FFF2-40B4-BE49-F238E27FC236}">
-                <a16:creationId xmlns:a16="http://schemas.microsoft.com/office/drawing/2014/main" id="{4804AC7D-EF41-4F81-08F9-E9239069E2D2}"/>
+                <a16:creationId xmlns:a16="http://schemas.microsoft.com/office/drawing/2014/main" id="{FCFF3CF3-EFA4-E1F6-BB34-D93DE953672F}"/>
               </a:ext>
             </a:extLst>
           </p:cNvPr>
@@ -2992,7 +2992,7 @@
             </a:lvl1pPr>
           </a:lstStyle>
           <a:p>
-            <a:fld id="{3BCC51C4-FA2C-4009-A343-2CE370B11E4E}" type="slidenum">
+            <a:fld id="{092B4744-9D74-4450-A6FC-0B6ABD676DB8}" type="slidenum">
               <a:rPr lang="zh-CN" altLang="en-US" smtClean="0"/>
               <a:t>‹#›</a:t>
             </a:fld>
@@ -3003,7 +3003,7 @@
     </p:spTree>
     <p:extLst>
       <p:ext uri="{BB962C8B-B14F-4D97-AF65-F5344CB8AC3E}">
-        <p14:creationId xmlns:p14="http://schemas.microsoft.com/office/powerpoint/2010/main" val="17683121"/>
+        <p14:creationId xmlns:p14="http://schemas.microsoft.com/office/powerpoint/2010/main" val="2197839357"/>
       </p:ext>
     </p:extLst>
   </p:cSld>
@@ -3323,7 +3323,7 @@
       </p:grpSpPr>
       <p:pic>
         <p:nvPicPr>
-          <p:cNvPr id="1073154" name="Picture 2" descr="1047"/>
+          <p:cNvPr id="1074178" name="Picture 2" descr="1048"/>
           <p:cNvPicPr>
             <a:picLocks noChangeAspect="1" noChangeArrowheads="1"/>
           </p:cNvPicPr>
@@ -3344,8 +3344,8 @@
         </p:blipFill>
         <p:spPr bwMode="auto">
           <a:xfrm>
-            <a:off x="1524001" y="0"/>
-            <a:ext cx="9053513" cy="6789738"/>
+            <a:off x="1524000" y="1"/>
+            <a:ext cx="8980488" cy="6735763"/>
           </a:xfrm>
           <a:prstGeom prst="rect">
             <a:avLst/>
@@ -3375,158 +3375,11 @@
           </a:extLst>
         </p:spPr>
       </p:pic>
-      <p:pic>
-        <p:nvPicPr>
-          <p:cNvPr id="1074179" name="Picture 3" descr="1047-2"/>
-          <p:cNvPicPr>
-            <a:picLocks noChangeAspect="1" noChangeArrowheads="1"/>
-          </p:cNvPicPr>
-          <p:nvPr/>
-        </p:nvPicPr>
-        <p:blipFill>
-          <a:blip r:embed="rId3">
-            <a:extLst>
-              <a:ext uri="{28A0092B-C50C-407E-A947-70E740481C1C}">
-                <a14:useLocalDpi xmlns:a14="http://schemas.microsoft.com/office/drawing/2010/main" val="0"/>
-              </a:ext>
-            </a:extLst>
-          </a:blip>
-          <a:srcRect/>
-          <a:stretch>
-            <a:fillRect/>
-          </a:stretch>
-        </p:blipFill>
-        <p:spPr bwMode="auto">
-          <a:xfrm>
-            <a:off x="1524000" y="-14288"/>
-            <a:ext cx="9055100" cy="6872288"/>
-          </a:xfrm>
-          <a:prstGeom prst="rect">
-            <a:avLst/>
-          </a:prstGeom>
-          <a:noFill/>
-          <a:ln>
-            <a:noFill/>
-          </a:ln>
-          <a:effectLst/>
-          <a:extLst>
-            <a:ext uri="{909E8E84-426E-40DD-AFC4-6F175D3DCCD1}">
-              <a14:hiddenFill xmlns:a14="http://schemas.microsoft.com/office/drawing/2010/main">
-                <a:solidFill>
-                  <a:srgbClr val="FFFFFF"/>
-                </a:solidFill>
-              </a14:hiddenFill>
-            </a:ext>
-            <a:ext uri="{91240B29-F687-4F45-9708-019B960494DF}">
-              <a14:hiddenLine xmlns:a14="http://schemas.microsoft.com/office/drawing/2010/main" w="9525">
-                <a:solidFill>
-                  <a:srgbClr val="000000"/>
-                </a:solidFill>
-                <a:miter lim="800000"/>
-                <a:headEnd/>
-                <a:tailEnd/>
-              </a14:hiddenLine>
-            </a:ext>
-            <a:ext uri="{AF507438-7753-43E0-B8FC-AC1667EBCBE1}">
-              <a14:hiddenEffects xmlns:a14="http://schemas.microsoft.com/office/drawing/2010/main">
-                <a:effectLst>
-                  <a:outerShdw dist="35921" dir="2700000" algn="ctr" rotWithShape="0">
-                    <a:srgbClr val="808080"/>
-                  </a:outerShdw>
-                </a:effectLst>
-              </a14:hiddenEffects>
-            </a:ext>
-          </a:extLst>
-        </p:spPr>
-      </p:pic>
     </p:spTree>
   </p:cSld>
   <p:clrMapOvr>
     <a:masterClrMapping/>
   </p:clrMapOvr>
-  <p:timing>
-    <p:tnLst>
-      <p:par>
-        <p:cTn id="1" dur="indefinite" restart="never" nodeType="tmRoot">
-          <p:childTnLst>
-            <p:seq concurrent="1" nextAc="seek">
-              <p:cTn id="2" dur="indefinite" nodeType="mainSeq">
-                <p:childTnLst>
-                  <p:par>
-                    <p:cTn id="3" fill="hold" nodeType="clickPar">
-                      <p:stCondLst>
-                        <p:cond delay="indefinite"/>
-                      </p:stCondLst>
-                      <p:childTnLst>
-                        <p:par>
-                          <p:cTn id="4" fill="hold" nodeType="withGroup">
-                            <p:stCondLst>
-                              <p:cond delay="0"/>
-                            </p:stCondLst>
-                            <p:childTnLst>
-                              <p:par>
-                                <p:cTn id="5" presetID="10" presetClass="entr" presetSubtype="0" fill="hold" nodeType="clickEffect">
-                                  <p:stCondLst>
-                                    <p:cond delay="0"/>
-                                  </p:stCondLst>
-                                  <p:childTnLst>
-                                    <p:set>
-                                      <p:cBhvr>
-                                        <p:cTn id="6" dur="1" fill="hold">
-                                          <p:stCondLst>
-                                            <p:cond delay="0"/>
-                                          </p:stCondLst>
-                                        </p:cTn>
-                                        <p:tgtEl>
-                                          <p:spTgt spid="1074179"/>
-                                        </p:tgtEl>
-                                        <p:attrNameLst>
-                                          <p:attrName>style.visibility</p:attrName>
-                                        </p:attrNameLst>
-                                      </p:cBhvr>
-                                      <p:to>
-                                        <p:strVal val="visible"/>
-                                      </p:to>
-                                    </p:set>
-                                    <p:animEffect transition="in" filter="fade">
-                                      <p:cBhvr>
-                                        <p:cTn id="7" dur="500"/>
-                                        <p:tgtEl>
-                                          <p:spTgt spid="1074179"/>
-                                        </p:tgtEl>
-                                      </p:cBhvr>
-                                    </p:animEffect>
-                                  </p:childTnLst>
-                                </p:cTn>
-                              </p:par>
-                            </p:childTnLst>
-                          </p:cTn>
-                        </p:par>
-                      </p:childTnLst>
-                    </p:cTn>
-                  </p:par>
-                </p:childTnLst>
-              </p:cTn>
-              <p:prevCondLst>
-                <p:cond evt="onPrev" delay="0">
-                  <p:tgtEl>
-                    <p:sldTgt/>
-                  </p:tgtEl>
-                </p:cond>
-              </p:prevCondLst>
-              <p:nextCondLst>
-                <p:cond evt="onNext" delay="0">
-                  <p:tgtEl>
-                    <p:sldTgt/>
-                  </p:tgtEl>
-                </p:cond>
-              </p:nextCondLst>
-            </p:seq>
-          </p:childTnLst>
-        </p:cTn>
-      </p:par>
-    </p:tnLst>
-  </p:timing>
 </p:sld>
 </file>
 
